--- a/Lectures/Lecture-4.pptx
+++ b/Lectures/Lecture-4.pptx
@@ -4747,15 +4747,7 @@
             </a:pPr>
             <a:r>
               <a:rPr lang="en-US" sz="2400" b="0" dirty="0"/>
-              <a:t>The following table shows the similarity </a:t>
-            </a:r>
-            <a:r>
-              <a:rPr lang="en-US" sz="2400" b="0" dirty="0"/>
-              <a:t>and dissimilarity between </a:t>
-            </a:r>
-            <a:r>
-              <a:rPr lang="en-US" sz="2400" b="0" dirty="0"/>
-              <a:t>two objects, </a:t>
+              <a:t>The following table shows the similarity and dissimilarity between two objects, </a:t>
             </a:r>
             <a:r>
               <a:rPr lang="en-US" sz="2400" b="0" i="1" dirty="0">
@@ -4777,17 +4769,8 @@
             </a:r>
             <a:r>
               <a:rPr lang="en-US" sz="2400" b="0" dirty="0"/>
-              <a:t> with </a:t>
-            </a:r>
-            <a:r>
-              <a:rPr lang="en-US" sz="2400" b="0" dirty="0"/>
-              <a:t>respect to a single, simple </a:t>
-            </a:r>
-            <a:r>
-              <a:rPr lang="en-US" sz="2400" b="0" dirty="0"/>
-              <a:t>attribute.</a:t>
-            </a:r>
-            <a:endParaRPr lang="en-US" sz="2400" b="0" dirty="0"/>
+              <a:t> with respect to a single, simple attribute.</a:t>
+            </a:r>
           </a:p>
         </p:txBody>
       </p:sp>
@@ -5269,7 +5252,7 @@
           <a:graphicData uri="http://schemas.openxmlformats.org/presentationml/2006/ole">
             <mc:AlternateContent xmlns:mc="http://schemas.openxmlformats.org/markup-compatibility/2006">
               <mc:Choice xmlns:v="urn:schemas-microsoft-com:vml" Requires="v">
-                <p:oleObj spid="_x0000_s9323" name="VISIO" r:id="rId3" imgW="3631692" imgH="2656332" progId="Visio.Drawing.6">
+                <p:oleObj spid="_x0000_s9329" name="VISIO" r:id="rId3" imgW="3631692" imgH="2656332" progId="Visio.Drawing.6">
                   <p:embed/>
                 </p:oleObj>
               </mc:Choice>
@@ -5362,7 +5345,7 @@
           <a:graphicData uri="http://schemas.openxmlformats.org/presentationml/2006/ole">
             <mc:AlternateContent xmlns:mc="http://schemas.openxmlformats.org/markup-compatibility/2006">
               <mc:Choice xmlns:v="urn:schemas-microsoft-com:vml" Requires="v">
-                <p:oleObj spid="_x0000_s9324" name="Worksheet" r:id="rId5" imgW="1836725" imgH="846287" progId="Excel.Sheet.8">
+                <p:oleObj spid="_x0000_s9330" name="Worksheet" r:id="rId5" imgW="1836725" imgH="846287" progId="Excel.Sheet.8">
                   <p:embed/>
                 </p:oleObj>
               </mc:Choice>
@@ -5610,7 +5593,7 @@
           <a:graphicData uri="http://schemas.openxmlformats.org/presentationml/2006/ole">
             <mc:AlternateContent xmlns:mc="http://schemas.openxmlformats.org/markup-compatibility/2006">
               <mc:Choice xmlns:v="urn:schemas-microsoft-com:vml" Requires="v">
-                <p:oleObj spid="_x0000_s9325" name="Worksheet" r:id="rId7" imgW="3055925" imgH="846287" progId="Excel.Sheet.8">
+                <p:oleObj spid="_x0000_s9331" name="Worksheet" r:id="rId7" imgW="3055925" imgH="846287" progId="Excel.Sheet.8">
                   <p:embed/>
                 </p:oleObj>
               </mc:Choice>
@@ -6601,7 +6584,7 @@
           <a:graphicData uri="http://schemas.openxmlformats.org/presentationml/2006/ole">
             <mc:AlternateContent xmlns:mc="http://schemas.openxmlformats.org/markup-compatibility/2006">
               <mc:Choice xmlns:v="urn:schemas-microsoft-com:vml" Requires="v">
-                <p:oleObj spid="_x0000_s10382" name="Worksheet" r:id="rId3" imgW="1836725" imgH="846287" progId="Excel.Sheet.8">
+                <p:oleObj spid="_x0000_s10390" name="Worksheet" r:id="rId3" imgW="1836725" imgH="846287" progId="Excel.Sheet.8">
                   <p:embed/>
                 </p:oleObj>
               </mc:Choice>
@@ -6694,7 +6677,7 @@
           <a:graphicData uri="http://schemas.openxmlformats.org/presentationml/2006/ole">
             <mc:AlternateContent xmlns:mc="http://schemas.openxmlformats.org/markup-compatibility/2006">
               <mc:Choice xmlns:v="urn:schemas-microsoft-com:vml" Requires="v">
-                <p:oleObj spid="_x0000_s10383" name="Worksheet" r:id="rId5" imgW="3055925" imgH="846287" progId="Excel.Sheet.8">
+                <p:oleObj spid="_x0000_s10391" name="Worksheet" r:id="rId5" imgW="3055925" imgH="846287" progId="Excel.Sheet.8">
                   <p:embed/>
                 </p:oleObj>
               </mc:Choice>
@@ -6787,7 +6770,7 @@
           <a:graphicData uri="http://schemas.openxmlformats.org/presentationml/2006/ole">
             <mc:AlternateContent xmlns:mc="http://schemas.openxmlformats.org/markup-compatibility/2006">
               <mc:Choice xmlns:v="urn:schemas-microsoft-com:vml" Requires="v">
-                <p:oleObj spid="_x0000_s10384" name="Worksheet" r:id="rId7" imgW="3055925" imgH="846287" progId="Excel.Sheet.8">
+                <p:oleObj spid="_x0000_s10392" name="Worksheet" r:id="rId7" imgW="3055925" imgH="846287" progId="Excel.Sheet.8">
                   <p:embed/>
                 </p:oleObj>
               </mc:Choice>
@@ -6880,7 +6863,7 @@
           <a:graphicData uri="http://schemas.openxmlformats.org/presentationml/2006/ole">
             <mc:AlternateContent xmlns:mc="http://schemas.openxmlformats.org/markup-compatibility/2006">
               <mc:Choice xmlns:v="urn:schemas-microsoft-com:vml" Requires="v">
-                <p:oleObj spid="_x0000_s10385" name="Worksheet" r:id="rId9" imgW="3055925" imgH="861243" progId="Excel.Sheet.8">
+                <p:oleObj spid="_x0000_s10393" name="Worksheet" r:id="rId9" imgW="3055925" imgH="861243" progId="Excel.Sheet.8">
                   <p:embed/>
                 </p:oleObj>
               </mc:Choice>
@@ -7336,18 +7319,14 @@
             </a:r>
             <a:r>
               <a:rPr lang="en-US" sz="2000" dirty="0"/>
-              <a:t>covariance </a:t>
-            </a:r>
-            <a:r>
-              <a:rPr lang="en-US" sz="2000" dirty="0"/>
-              <a:t>matrix</a:t>
+              <a:t>covariance matrix</a:t>
             </a:r>
             <a:endParaRPr lang="en-US" sz="2000" i="1" dirty="0"/>
           </a:p>
         </p:txBody>
       </p:sp>
-      <mc:AlternateContent xmlns:mc="http://schemas.openxmlformats.org/markup-compatibility/2006">
-        <mc:Choice xmlns:a14="http://schemas.microsoft.com/office/drawing/2010/main" Requires="a14">
+      <mc:AlternateContent xmlns:mc="http://schemas.openxmlformats.org/markup-compatibility/2006" xmlns:a14="http://schemas.microsoft.com/office/drawing/2010/main">
+        <mc:Choice Requires="a14">
           <p:sp>
             <p:nvSpPr>
               <p:cNvPr id="4" name="Rectangle 3"/>
@@ -7529,7 +7508,7 @@
             </p:txBody>
           </p:sp>
         </mc:Choice>
-        <mc:Fallback>
+        <mc:Fallback xmlns="">
           <p:sp>
             <p:nvSpPr>
               <p:cNvPr id="4" name="Rectangle 3"/>
@@ -7826,7 +7805,7 @@
           <a:graphicData uri="http://schemas.openxmlformats.org/presentationml/2006/ole">
             <mc:AlternateContent xmlns:mc="http://schemas.openxmlformats.org/markup-compatibility/2006">
               <mc:Choice xmlns:v="urn:schemas-microsoft-com:vml" Requires="v">
-                <p:oleObj spid="_x0000_s11301" name="Equation" r:id="rId3" imgW="939800" imgH="457200" progId="Equation.3">
+                <p:oleObj spid="_x0000_s11303" name="Equation" r:id="rId3" imgW="939800" imgH="457200" progId="Equation.3">
                   <p:embed/>
                 </p:oleObj>
               </mc:Choice>
@@ -8823,7 +8802,6 @@
               <a:rPr lang="en-US" dirty="0" smtClean="0"/>
               <a:t>Linear Regression</a:t>
             </a:r>
-            <a:endParaRPr lang="en-US" dirty="0" smtClean="0"/>
           </a:p>
           <a:p>
             <a:endParaRPr lang="en-US" dirty="0"/>
@@ -10862,14 +10840,7 @@
                 <a:latin typeface="Times New Roman" panose="02020603050405020304" pitchFamily="18" charset="0"/>
                 <a:cs typeface="Times New Roman" panose="02020603050405020304" pitchFamily="18" charset="0"/>
               </a:rPr>
-              <a:t> </a:t>
-            </a:r>
-            <a:r>
-              <a:rPr lang="en-US" sz="2400" dirty="0">
-                <a:latin typeface="Times New Roman" panose="02020603050405020304" pitchFamily="18" charset="0"/>
-                <a:cs typeface="Times New Roman" panose="02020603050405020304" pitchFamily="18" charset="0"/>
-              </a:rPr>
-              <a:t>= 2   (the number of attributes where </a:t>
+              <a:t> = 2   (the number of attributes where </a:t>
             </a:r>
             <a:r>
               <a:rPr lang="en-US" sz="2400" i="1" dirty="0">
@@ -10989,14 +10960,7 @@
                 <a:latin typeface="Times New Roman" panose="02020603050405020304" pitchFamily="18" charset="0"/>
                 <a:cs typeface="Times New Roman" panose="02020603050405020304" pitchFamily="18" charset="0"/>
               </a:rPr>
-              <a:t> </a:t>
-            </a:r>
-            <a:r>
-              <a:rPr lang="en-US" sz="2400" dirty="0">
-                <a:latin typeface="Times New Roman" panose="02020603050405020304" pitchFamily="18" charset="0"/>
-                <a:cs typeface="Times New Roman" panose="02020603050405020304" pitchFamily="18" charset="0"/>
-              </a:rPr>
-              <a:t>= 7   (the number of attributes where </a:t>
+              <a:t> = 7   (the number of attributes where </a:t>
             </a:r>
             <a:r>
               <a:rPr lang="en-US" sz="2400" i="1" dirty="0">
@@ -11056,14 +11020,7 @@
                 <a:latin typeface="Times New Roman" panose="02020603050405020304" pitchFamily="18" charset="0"/>
                 <a:cs typeface="Times New Roman" panose="02020603050405020304" pitchFamily="18" charset="0"/>
               </a:rPr>
-              <a:t> </a:t>
-            </a:r>
-            <a:r>
-              <a:rPr lang="en-US" sz="2400" dirty="0">
-                <a:latin typeface="Times New Roman" panose="02020603050405020304" pitchFamily="18" charset="0"/>
-                <a:cs typeface="Times New Roman" panose="02020603050405020304" pitchFamily="18" charset="0"/>
-              </a:rPr>
-              <a:t>= 0   (the number of attributes where </a:t>
+              <a:t> = 0   (the number of attributes where </a:t>
             </a:r>
             <a:r>
               <a:rPr lang="en-US" sz="2400" i="1" dirty="0">
@@ -11131,14 +11088,7 @@
                 <a:latin typeface="Times New Roman" panose="02020603050405020304" pitchFamily="18" charset="0"/>
                 <a:cs typeface="Times New Roman" panose="02020603050405020304" pitchFamily="18" charset="0"/>
               </a:rPr>
-              <a:t>SMC 	= </a:t>
-            </a:r>
-            <a:r>
-              <a:rPr lang="en-US" sz="2400" dirty="0">
-                <a:latin typeface="Times New Roman" panose="02020603050405020304" pitchFamily="18" charset="0"/>
-                <a:cs typeface="Times New Roman" panose="02020603050405020304" pitchFamily="18" charset="0"/>
-              </a:rPr>
-              <a:t>(</a:t>
+              <a:t>SMC 	= (</a:t>
             </a:r>
             <a:r>
               <a:rPr lang="en-US" sz="2400" i="1" dirty="0">
@@ -11315,14 +11265,28 @@
                 <a:latin typeface="Times New Roman" panose="02020603050405020304" pitchFamily="18" charset="0"/>
                 <a:cs typeface="Times New Roman" panose="02020603050405020304" pitchFamily="18" charset="0"/>
               </a:rPr>
-              <a:t>J = </a:t>
+              <a:t>J = (</a:t>
+            </a:r>
+            <a:r>
+              <a:rPr lang="en-US" sz="2400" i="1" dirty="0">
+                <a:latin typeface="Times New Roman" panose="02020603050405020304" pitchFamily="18" charset="0"/>
+                <a:cs typeface="Times New Roman" panose="02020603050405020304" pitchFamily="18" charset="0"/>
+              </a:rPr>
+              <a:t>f</a:t>
+            </a:r>
+            <a:r>
+              <a:rPr lang="en-US" sz="2400" baseline="-25000" dirty="0">
+                <a:latin typeface="Times New Roman" panose="02020603050405020304" pitchFamily="18" charset="0"/>
+                <a:cs typeface="Times New Roman" panose="02020603050405020304" pitchFamily="18" charset="0"/>
+              </a:rPr>
+              <a:t>11</a:t>
             </a:r>
             <a:r>
               <a:rPr lang="en-US" sz="2400" dirty="0">
                 <a:latin typeface="Times New Roman" panose="02020603050405020304" pitchFamily="18" charset="0"/>
                 <a:cs typeface="Times New Roman" panose="02020603050405020304" pitchFamily="18" charset="0"/>
               </a:rPr>
-              <a:t>(</a:t>
+              <a:t>) / (</a:t>
             </a:r>
             <a:r>
               <a:rPr lang="en-US" sz="2400" i="1" dirty="0">
@@ -11336,14 +11300,14 @@
                 <a:latin typeface="Times New Roman" panose="02020603050405020304" pitchFamily="18" charset="0"/>
                 <a:cs typeface="Times New Roman" panose="02020603050405020304" pitchFamily="18" charset="0"/>
               </a:rPr>
-              <a:t>11</a:t>
+              <a:t>01</a:t>
             </a:r>
             <a:r>
               <a:rPr lang="en-US" sz="2400" dirty="0">
                 <a:latin typeface="Times New Roman" panose="02020603050405020304" pitchFamily="18" charset="0"/>
                 <a:cs typeface="Times New Roman" panose="02020603050405020304" pitchFamily="18" charset="0"/>
               </a:rPr>
-              <a:t>) / (</a:t>
+              <a:t> + </a:t>
             </a:r>
             <a:r>
               <a:rPr lang="en-US" sz="2400" i="1" dirty="0">
@@ -11357,7 +11321,7 @@
                 <a:latin typeface="Times New Roman" panose="02020603050405020304" pitchFamily="18" charset="0"/>
                 <a:cs typeface="Times New Roman" panose="02020603050405020304" pitchFamily="18" charset="0"/>
               </a:rPr>
-              <a:t>01</a:t>
+              <a:t>10</a:t>
             </a:r>
             <a:r>
               <a:rPr lang="en-US" sz="2400" dirty="0">
@@ -11378,42 +11342,14 @@
                 <a:latin typeface="Times New Roman" panose="02020603050405020304" pitchFamily="18" charset="0"/>
                 <a:cs typeface="Times New Roman" panose="02020603050405020304" pitchFamily="18" charset="0"/>
               </a:rPr>
-              <a:t>10</a:t>
+              <a:t>11</a:t>
             </a:r>
             <a:r>
               <a:rPr lang="en-US" sz="2400" dirty="0">
                 <a:latin typeface="Times New Roman" panose="02020603050405020304" pitchFamily="18" charset="0"/>
                 <a:cs typeface="Times New Roman" panose="02020603050405020304" pitchFamily="18" charset="0"/>
               </a:rPr>
-              <a:t> + </a:t>
-            </a:r>
-            <a:r>
-              <a:rPr lang="en-US" sz="2400" i="1" dirty="0">
-                <a:latin typeface="Times New Roman" panose="02020603050405020304" pitchFamily="18" charset="0"/>
-                <a:cs typeface="Times New Roman" panose="02020603050405020304" pitchFamily="18" charset="0"/>
-              </a:rPr>
-              <a:t>f</a:t>
-            </a:r>
-            <a:r>
-              <a:rPr lang="en-US" sz="2400" baseline="-25000" dirty="0">
-                <a:latin typeface="Times New Roman" panose="02020603050405020304" pitchFamily="18" charset="0"/>
-                <a:cs typeface="Times New Roman" panose="02020603050405020304" pitchFamily="18" charset="0"/>
-              </a:rPr>
-              <a:t>11</a:t>
-            </a:r>
-            <a:r>
-              <a:rPr lang="en-US" sz="2400" dirty="0">
-                <a:latin typeface="Times New Roman" panose="02020603050405020304" pitchFamily="18" charset="0"/>
-                <a:cs typeface="Times New Roman" panose="02020603050405020304" pitchFamily="18" charset="0"/>
-              </a:rPr>
-              <a:t>) </a:t>
-            </a:r>
-            <a:r>
-              <a:rPr lang="en-US" sz="2400" dirty="0">
-                <a:latin typeface="Times New Roman" panose="02020603050405020304" pitchFamily="18" charset="0"/>
-                <a:cs typeface="Times New Roman" panose="02020603050405020304" pitchFamily="18" charset="0"/>
-              </a:rPr>
-              <a:t>= 0 / (2 + 1 + 0) = 0 </a:t>
+              <a:t>) = 0 / (2 + 1 + 0) = 0 </a:t>
             </a:r>
           </a:p>
           <a:p>
@@ -11631,14 +11567,7 @@
                 <a:latin typeface="Times New Roman" panose="02020603050405020304" pitchFamily="18" charset="0"/>
                 <a:cs typeface="Times New Roman" panose="02020603050405020304" pitchFamily="18" charset="0"/>
               </a:rPr>
-              <a:t> ) =  </a:t>
-            </a:r>
-            <a:r>
-              <a:rPr lang="en-US" sz="2400" dirty="0">
-                <a:latin typeface="Times New Roman" panose="02020603050405020304" pitchFamily="18" charset="0"/>
-                <a:cs typeface="Times New Roman" panose="02020603050405020304" pitchFamily="18" charset="0"/>
-              </a:rPr>
-              <a:t>&lt;</a:t>
+              <a:t> ) =  &lt;</a:t>
             </a:r>
             <a:r>
               <a:rPr lang="en-US" sz="2400" b="1" dirty="0">
@@ -11966,14 +11895,7 @@
                 <a:latin typeface="Times New Roman" panose="02020603050405020304" pitchFamily="18" charset="0"/>
                 <a:cs typeface="Times New Roman" panose="02020603050405020304" pitchFamily="18" charset="0"/>
               </a:rPr>
-              <a:t> </a:t>
-            </a:r>
-            <a:r>
-              <a:rPr lang="en-US" sz="2400" b="1" dirty="0">
-                <a:latin typeface="Times New Roman" panose="02020603050405020304" pitchFamily="18" charset="0"/>
-                <a:cs typeface="Times New Roman" panose="02020603050405020304" pitchFamily="18" charset="0"/>
-              </a:rPr>
-              <a:t>d</a:t>
+              <a:t> d</a:t>
             </a:r>
             <a:r>
               <a:rPr lang="en-US" sz="2400" b="1" baseline="-30000" dirty="0">
@@ -12023,14 +11945,7 @@
                 <a:latin typeface="Times New Roman" panose="02020603050405020304" pitchFamily="18" charset="0"/>
                 <a:cs typeface="Times New Roman" panose="02020603050405020304" pitchFamily="18" charset="0"/>
               </a:rPr>
-              <a:t>,</a:t>
-            </a:r>
-            <a:r>
-              <a:rPr lang="en-US" sz="1800" dirty="0">
-                <a:latin typeface="Times New Roman" panose="02020603050405020304" pitchFamily="18" charset="0"/>
-                <a:cs typeface="Times New Roman" panose="02020603050405020304" pitchFamily="18" charset="0"/>
-              </a:rPr>
-              <a:t> </a:t>
+              <a:t>, </a:t>
             </a:r>
             <a:r>
               <a:rPr lang="en-US" sz="1800" b="1" dirty="0">
@@ -12137,14 +12052,7 @@
                 <a:latin typeface="Times New Roman" panose="02020603050405020304" pitchFamily="18" charset="0"/>
                 <a:cs typeface="Times New Roman" panose="02020603050405020304" pitchFamily="18" charset="0"/>
               </a:rPr>
-              <a:t> </a:t>
-            </a:r>
-            <a:r>
-              <a:rPr lang="en-US" sz="1800" b="1" dirty="0">
-                <a:latin typeface="Times New Roman" panose="02020603050405020304" pitchFamily="18" charset="0"/>
-                <a:cs typeface="Times New Roman" panose="02020603050405020304" pitchFamily="18" charset="0"/>
-              </a:rPr>
-              <a:t>d</a:t>
+              <a:t> d</a:t>
             </a:r>
             <a:r>
               <a:rPr lang="en-US" sz="1800" b="1" baseline="-30000" dirty="0">
@@ -12468,7 +12376,7 @@
           <a:graphicData uri="http://schemas.openxmlformats.org/presentationml/2006/ole">
             <mc:AlternateContent xmlns:mc="http://schemas.openxmlformats.org/markup-compatibility/2006">
               <mc:Choice xmlns:v="urn:schemas-microsoft-com:vml" Requires="v">
-                <p:oleObj spid="_x0000_s12325" name="Bitmap Image" r:id="rId3" imgW="7542857" imgH="7228571" progId="Paint.Picture">
+                <p:oleObj spid="_x0000_s12327" name="Bitmap Image" r:id="rId3" imgW="7542857" imgH="7228571" progId="Paint.Picture">
                   <p:embed/>
                 </p:oleObj>
               </mc:Choice>
@@ -13754,11 +13662,7 @@
           <a:p>
             <a:r>
               <a:rPr lang="en-US" dirty="0" smtClean="0"/>
-              <a:t>Presentations of Case </a:t>
-            </a:r>
-            <a:r>
-              <a:rPr lang="en-US" dirty="0" smtClean="0"/>
-              <a:t>Study-1</a:t>
+              <a:t>Presentations of Case Study-1</a:t>
             </a:r>
             <a:endParaRPr lang="en-US" dirty="0"/>
           </a:p>
@@ -13779,7 +13683,11 @@
           <a:bodyPr/>
           <a:lstStyle/>
           <a:p>
-            <a:endParaRPr lang="en-US"/>
+            <a:r>
+              <a:rPr lang="en-US" dirty="0" smtClean="0"/>
+              <a:t>`</a:t>
+            </a:r>
+            <a:endParaRPr lang="en-US" dirty="0"/>
           </a:p>
         </p:txBody>
       </p:sp>
@@ -14964,8 +14872,8 @@
           </a:p>
         </p:txBody>
       </p:sp>
-      <mc:AlternateContent xmlns:mc="http://schemas.openxmlformats.org/markup-compatibility/2006">
-        <mc:Choice xmlns:a14="http://schemas.microsoft.com/office/drawing/2010/main" Requires="a14">
+      <mc:AlternateContent xmlns:mc="http://schemas.openxmlformats.org/markup-compatibility/2006" xmlns:a14="http://schemas.microsoft.com/office/drawing/2010/main">
+        <mc:Choice Requires="a14">
           <p:sp>
             <p:nvSpPr>
               <p:cNvPr id="3" name="Content Placeholder 2"/>
@@ -15309,7 +15217,7 @@
             </p:txBody>
           </p:sp>
         </mc:Choice>
-        <mc:Fallback>
+        <mc:Fallback xmlns="">
           <p:sp>
             <p:nvSpPr>
               <p:cNvPr id="3" name="Content Placeholder 2"/>
@@ -15403,8 +15311,8 @@
           </a:p>
         </p:txBody>
       </p:sp>
-      <mc:AlternateContent xmlns:mc="http://schemas.openxmlformats.org/markup-compatibility/2006">
-        <mc:Choice xmlns:a14="http://schemas.microsoft.com/office/drawing/2010/main" Requires="a14">
+      <mc:AlternateContent xmlns:mc="http://schemas.openxmlformats.org/markup-compatibility/2006" xmlns:a14="http://schemas.microsoft.com/office/drawing/2010/main">
+        <mc:Choice Requires="a14">
           <p:sp>
             <p:nvSpPr>
               <p:cNvPr id="3" name="Content Placeholder 2"/>
@@ -16055,7 +15963,7 @@
             </p:txBody>
           </p:sp>
         </mc:Choice>
-        <mc:Fallback>
+        <mc:Fallback xmlns="">
           <p:sp>
             <p:nvSpPr>
               <p:cNvPr id="3" name="Content Placeholder 2"/>
@@ -17640,25 +17548,8 @@
           <a:p>
             <a:r>
               <a:rPr lang="en-US" dirty="0"/>
-              <a:t>Mutual information of Student </a:t>
-            </a:r>
-            <a:r>
-              <a:rPr lang="en-US" dirty="0"/>
-              <a:t>S</a:t>
-            </a:r>
-            <a:r>
-              <a:rPr lang="en-US" dirty="0"/>
-              <a:t>tatus </a:t>
-            </a:r>
-            <a:r>
-              <a:rPr lang="en-US" dirty="0"/>
-              <a:t>and Grade =  0.9928 + 1.4406 - </a:t>
-            </a:r>
-            <a:r>
-              <a:rPr lang="en-US" dirty="0"/>
-              <a:t>2.2710 = 0.1624</a:t>
-            </a:r>
-            <a:endParaRPr lang="en-US" dirty="0"/>
+              <a:t>Mutual information of Student Status and Grade =  0.9928 + 1.4406 - 2.2710 = 0.1624</a:t>
+            </a:r>
           </a:p>
         </p:txBody>
       </p:sp>
@@ -18618,7 +18509,7 @@
           <a:graphicData uri="http://schemas.openxmlformats.org/presentationml/2006/ole">
             <mc:AlternateContent xmlns:mc="http://schemas.openxmlformats.org/markup-compatibility/2006">
               <mc:Choice xmlns:v="urn:schemas-microsoft-com:vml" Requires="v">
-                <p:oleObj spid="_x0000_s8231" name="Equation" r:id="rId3" imgW="1002960" imgH="228600" progId="Equation.3">
+                <p:oleObj spid="_x0000_s8233" name="Equation" r:id="rId3" imgW="1002960" imgH="228600" progId="Equation.3">
                   <p:embed/>
                 </p:oleObj>
               </mc:Choice>
@@ -19060,7 +18951,6 @@
               <a:rPr lang="en-US" altLang="en-US" dirty="0"/>
               <a:t>error variable</a:t>
             </a:r>
-            <a:endParaRPr lang="en-US" altLang="en-US" dirty="0"/>
           </a:p>
         </p:txBody>
       </p:sp>
@@ -19086,7 +18976,7 @@
           <a:graphicData uri="http://schemas.openxmlformats.org/presentationml/2006/ole">
             <mc:AlternateContent xmlns:mc="http://schemas.openxmlformats.org/markup-compatibility/2006">
               <mc:Choice xmlns:v="urn:schemas-microsoft-com:vml" Requires="v">
-                <p:oleObj spid="_x0000_s13349" name="Equation" r:id="rId3" imgW="126720" imgH="139680" progId="Equation.3">
+                <p:oleObj spid="_x0000_s13351" name="Equation" r:id="rId3" imgW="126720" imgH="139680" progId="Equation.3">
                   <p:embed/>
                 </p:oleObj>
               </mc:Choice>
@@ -20079,7 +19969,6 @@
               <a:rPr lang="en-US" altLang="en-US" dirty="0"/>
               <a:t>producing a straight line that cuts into the data.</a:t>
             </a:r>
-            <a:endParaRPr lang="en-US" altLang="en-US" dirty="0"/>
           </a:p>
         </p:txBody>
       </p:sp>
@@ -21762,7 +21651,7 @@
             <a:fld id="{D6F15B65-DD33-4EC8-84DC-645AB0929FAD}" type="slidenum">
               <a:rPr lang="en-US" altLang="en-US"/>
               <a:pPr/>
-              <a:t>5</a:t>
+              <a:t>42</a:t>
             </a:fld>
             <a:endParaRPr lang="en-US" altLang="en-US"/>
           </a:p>
@@ -26254,7 +26143,7 @@
           <a:graphicData uri="http://schemas.openxmlformats.org/presentationml/2006/ole">
             <mc:AlternateContent xmlns:mc="http://schemas.openxmlformats.org/markup-compatibility/2006">
               <mc:Choice xmlns:v="urn:schemas-microsoft-com:vml" Requires="v">
-                <p:oleObj spid="_x0000_s14354" name="Equation" r:id="rId3" imgW="711000" imgH="571320" progId="Equation.3">
+                <p:oleObj spid="_x0000_s14358" name="Equation" r:id="rId3" imgW="711000" imgH="571320" progId="Equation.3">
                   <p:embed/>
                 </p:oleObj>
               </mc:Choice>
@@ -26433,7 +26322,7 @@
           <a:graphicData uri="http://schemas.openxmlformats.org/presentationml/2006/ole">
             <mc:AlternateContent xmlns:mc="http://schemas.openxmlformats.org/markup-compatibility/2006">
               <mc:Choice xmlns:v="urn:schemas-microsoft-com:vml" Requires="v">
-                <p:oleObj spid="_x0000_s14355" name="Equation" r:id="rId5" imgW="609480" imgH="203040" progId="Equation.3">
+                <p:oleObj spid="_x0000_s14359" name="Equation" r:id="rId5" imgW="609480" imgH="203040" progId="Equation.3">
                   <p:embed/>
                 </p:oleObj>
               </mc:Choice>
@@ -26962,7 +26851,6 @@
               <a:rPr lang="en-US" altLang="en-US" sz="3200" dirty="0"/>
               <a:t>Find the regression line.</a:t>
             </a:r>
-            <a:endParaRPr lang="en-US" altLang="en-US" sz="3200" dirty="0"/>
           </a:p>
         </p:txBody>
       </p:sp>
@@ -26989,7 +26877,7 @@
             <a:fld id="{81316FF9-B82D-42AB-B17C-4B0D830D986D}" type="slidenum">
               <a:rPr lang="en-US" altLang="en-US"/>
               <a:pPr/>
-              <a:t>7</a:t>
+              <a:t>44</a:t>
             </a:fld>
             <a:endParaRPr lang="en-US" altLang="en-US"/>
           </a:p>
@@ -27017,7 +26905,7 @@
           <a:graphicData uri="http://schemas.openxmlformats.org/presentationml/2006/ole">
             <mc:AlternateContent xmlns:mc="http://schemas.openxmlformats.org/markup-compatibility/2006">
               <mc:Choice xmlns:v="urn:schemas-microsoft-com:vml" Requires="v">
-                <p:oleObj spid="_x0000_s15369" name="Worksheet" r:id="rId3" imgW="1381351" imgH="1629137" progId="Excel.Sheet.8">
+                <p:oleObj spid="_x0000_s15371" name="Worksheet" r:id="rId3" imgW="1381351" imgH="1629137" progId="Excel.Sheet.8">
                   <p:embed/>
                 </p:oleObj>
               </mc:Choice>
@@ -27595,7 +27483,7 @@
           <a:graphicData uri="http://schemas.openxmlformats.org/presentationml/2006/ole">
             <mc:AlternateContent xmlns:mc="http://schemas.openxmlformats.org/markup-compatibility/2006">
               <mc:Choice xmlns:v="urn:schemas-microsoft-com:vml" Requires="v">
-                <p:oleObj spid="_x0000_s16410" name="Equation" r:id="rId3" imgW="799920" imgH="571320" progId="Equation.3">
+                <p:oleObj spid="_x0000_s16418" name="Equation" r:id="rId3" imgW="799920" imgH="571320" progId="Equation.3">
                   <p:embed/>
                 </p:oleObj>
               </mc:Choice>
@@ -27694,7 +27582,7 @@
           <a:graphicData uri="http://schemas.openxmlformats.org/presentationml/2006/ole">
             <mc:AlternateContent xmlns:mc="http://schemas.openxmlformats.org/markup-compatibility/2006">
               <mc:Choice xmlns:v="urn:schemas-microsoft-com:vml" Requires="v">
-                <p:oleObj spid="_x0000_s16411" name="Equation" r:id="rId5" imgW="2082600" imgH="799920" progId="Equation.3">
+                <p:oleObj spid="_x0000_s16419" name="Equation" r:id="rId5" imgW="2082600" imgH="799920" progId="Equation.3">
                   <p:embed/>
                 </p:oleObj>
               </mc:Choice>
@@ -27861,7 +27749,7 @@
           <a:graphicData uri="http://schemas.openxmlformats.org/presentationml/2006/ole">
             <mc:AlternateContent xmlns:mc="http://schemas.openxmlformats.org/markup-compatibility/2006">
               <mc:Choice xmlns:v="urn:schemas-microsoft-com:vml" Requires="v">
-                <p:oleObj spid="_x0000_s16412" name="Equation" r:id="rId7" imgW="2514600" imgH="571320" progId="Equation.3">
+                <p:oleObj spid="_x0000_s16420" name="Equation" r:id="rId7" imgW="2514600" imgH="571320" progId="Equation.3">
                   <p:embed/>
                 </p:oleObj>
               </mc:Choice>
@@ -27960,7 +27848,7 @@
           <a:graphicData uri="http://schemas.openxmlformats.org/presentationml/2006/ole">
             <mc:AlternateContent xmlns:mc="http://schemas.openxmlformats.org/markup-compatibility/2006">
               <mc:Choice xmlns:v="urn:schemas-microsoft-com:vml" Requires="v">
-                <p:oleObj spid="_x0000_s16413" name="Equation" r:id="rId9" imgW="1409400" imgH="203040" progId="Equation.3">
+                <p:oleObj spid="_x0000_s16421" name="Equation" r:id="rId9" imgW="1409400" imgH="203040" progId="Equation.3">
                   <p:embed/>
                 </p:oleObj>
               </mc:Choice>
